--- a/EF core.pptx
+++ b/EF core.pptx
@@ -6408,7 +6408,23 @@
                   <a:schemeClr val="dk1"/>
                 </a:solidFill>
               </a:rPr>
-              <a:t>dotnet add package (cmd)</a:t>
+              <a:t>dotnet add package </a:t>
+            </a:r>
+            <a:r>
+              <a:rPr lang="en" sz="1600">
+                <a:solidFill>
+                  <a:schemeClr val="dk1"/>
+                </a:solidFill>
+              </a:rPr>
+              <a:t>(</a:t>
+            </a:r>
+            <a:r>
+              <a:rPr lang="en" sz="1600" smtClean="0">
+                <a:solidFill>
+                  <a:schemeClr val="dk1"/>
+                </a:solidFill>
+              </a:rPr>
+              <a:t>console)</a:t>
             </a:r>
             <a:endParaRPr sz="1600" dirty="0">
               <a:solidFill>
@@ -7183,27 +7199,23 @@
             <a:endParaRPr dirty="0"/>
           </a:p>
           <a:p>
-            <a:pPr marL="0" lvl="0" indent="0" algn="l" rtl="0">
+            <a:pPr marL="285750" indent="-285750">
               <a:spcBef>
                 <a:spcPts val="1600"/>
               </a:spcBef>
-              <a:spcAft>
-                <a:spcPts val="0"/>
-              </a:spcAft>
               <a:buClr>
                 <a:schemeClr val="dk1"/>
               </a:buClr>
               <a:buSzPts val="1100"/>
-              <a:buFont typeface="Arial"/>
-              <a:buNone/>
             </a:pPr>
             <a:r>
-              <a:rPr lang="en" sz="1600" dirty="0">
+              <a:rPr lang="en" sz="1600" u="sng" dirty="0" smtClean="0">
                 <a:solidFill>
-                  <a:schemeClr val="dk1"/>
+                  <a:schemeClr val="hlink"/>
                 </a:solidFill>
+                <a:hlinkClick r:id="rId3"/>
               </a:rPr>
-              <a:t>•</a:t>
+              <a:t>https</a:t>
             </a:r>
             <a:r>
               <a:rPr lang="en" sz="1600" u="sng" dirty="0">
@@ -7212,7 +7224,42 @@
                 </a:solidFill>
                 <a:hlinkClick r:id="rId3"/>
               </a:rPr>
-              <a:t>https://metanit.com/sharp/entityframeworkcore/</a:t>
+              <a:t>://metanit.com/sharp/entityframeworkcore</a:t>
+            </a:r>
+            <a:r>
+              <a:rPr lang="en" sz="1600" u="sng" dirty="0" smtClean="0">
+                <a:solidFill>
+                  <a:schemeClr val="hlink"/>
+                </a:solidFill>
+                <a:hlinkClick r:id="rId3"/>
+              </a:rPr>
+              <a:t>/</a:t>
+            </a:r>
+          </a:p>
+          <a:p>
+            <a:pPr marL="285750" indent="-285750">
+              <a:spcBef>
+                <a:spcPts val="1600"/>
+              </a:spcBef>
+              <a:buClr>
+                <a:schemeClr val="dk1"/>
+              </a:buClr>
+              <a:buSzPts val="1100"/>
+            </a:pPr>
+            <a:r>
+              <a:rPr lang="en-US" sz="1600" u="sng" dirty="0">
+                <a:solidFill>
+                  <a:schemeClr val="hlink"/>
+                </a:solidFill>
+                <a:hlinkClick r:id="rId4"/>
+              </a:rPr>
+              <a:t>https</a:t>
+            </a:r>
+            <a:r>
+              <a:rPr lang="en-US" sz="1600" dirty="0">
+                <a:hlinkClick r:id="rId4"/>
+              </a:rPr>
+              <a:t>://docs.microsoft.com/en-us/ef/core/managing-schemas/migrations/</a:t>
             </a:r>
             <a:endParaRPr sz="1600" u="sng" dirty="0">
               <a:solidFill>
@@ -7316,7 +7363,7 @@
                 <a:solidFill>
                   <a:schemeClr val="hlink"/>
                 </a:solidFill>
-                <a:hlinkClick r:id="rId4"/>
+                <a:hlinkClick r:id="rId5"/>
               </a:rPr>
               <a:t>https://www.youtube.com/watch?v=RrOPUegE8MI</a:t>
             </a:r>
@@ -7324,7 +7371,7 @@
               <a:solidFill>
                 <a:schemeClr val="hlink"/>
               </a:solidFill>
-              <a:hlinkClick r:id="rId4"/>
+              <a:hlinkClick r:id="rId5"/>
             </a:endParaRPr>
           </a:p>
           <a:p>
@@ -7355,7 +7402,7 @@
                 <a:solidFill>
                   <a:schemeClr val="hlink"/>
                 </a:solidFill>
-                <a:hlinkClick r:id="rId5"/>
+                <a:hlinkClick r:id="rId6"/>
               </a:rPr>
               <a:t>https://www.youtube.com/watch?v=Gbhlo_Q4VXo&amp;t=77s</a:t>
             </a:r>
@@ -7363,7 +7410,7 @@
               <a:solidFill>
                 <a:schemeClr val="hlink"/>
               </a:solidFill>
-              <a:hlinkClick r:id="rId5"/>
+              <a:hlinkClick r:id="rId6"/>
             </a:endParaRPr>
           </a:p>
           <a:p>
